--- a/FunPro/C#/Lectures/lecture19.pptx
+++ b/FunPro/C#/Lectures/lecture19.pptx
@@ -8111,8 +8111,6 @@
               <a:spcBef>
                 <a:spcPct val="0"/>
               </a:spcBef>
-              <a:buFont typeface="Wingdings" panose="05000000000000000000" pitchFamily="2" charset="2"/>
-              <a:buNone/>
               <a:tabLst>
                 <a:tab pos="581025" algn="l"/>
                 <a:tab pos="1162050" algn="l"/>
@@ -8133,23 +8131,16 @@
               </a:tabLst>
             </a:pPr>
             <a:r>
-              <a:rPr lang="en-US" sz="2200" b="1">
+              <a:rPr lang="en-US" dirty="0"/>
+              <a:t>Pseudocode</a:t>
+            </a:r>
+            <a:r>
+              <a:rPr lang="en-US" sz="2200" b="1" dirty="0">
                 <a:latin typeface="Courier New" panose="02070309020205020404" pitchFamily="49" charset="0"/>
                 <a:cs typeface="Times New Roman" panose="02020603050405020304" pitchFamily="18" charset="0"/>
               </a:rPr>
-              <a:t>function</a:t>
-            </a:r>
-            <a:r>
-              <a:rPr lang="en-US" sz="2200">
-                <a:latin typeface="Courier New" panose="02070309020205020404" pitchFamily="49" charset="0"/>
-                <a:cs typeface="Times New Roman" panose="02020603050405020304" pitchFamily="18" charset="0"/>
-              </a:rPr>
-              <a:t> sort(array)</a:t>
-            </a:r>
-            <a:endParaRPr lang="en-US" sz="2200">
-              <a:latin typeface="Times New Roman" panose="02020603050405020304" pitchFamily="18" charset="0"/>
-              <a:cs typeface="Times New Roman" panose="02020603050405020304" pitchFamily="18" charset="0"/>
-            </a:endParaRPr>
+              <a:t> </a:t>
+            </a:r>
           </a:p>
           <a:p>
             <a:pPr marL="0" eaLnBrk="1" hangingPunct="1">
@@ -8178,34 +8169,20 @@
               </a:tabLst>
             </a:pPr>
             <a:r>
-              <a:rPr lang="en-US" sz="2200" b="1">
+              <a:rPr lang="en-US" sz="2200" b="1" dirty="0">
                 <a:latin typeface="Courier New" panose="02070309020205020404" pitchFamily="49" charset="0"/>
                 <a:cs typeface="Times New Roman" panose="02020603050405020304" pitchFamily="18" charset="0"/>
               </a:rPr>
-              <a:t>  Dim </a:t>
-            </a:r>
-            <a:r>
-              <a:rPr lang="en-US" sz="2200">
+              <a:t>function</a:t>
+            </a:r>
+            <a:r>
+              <a:rPr lang="en-US" sz="2200" dirty="0">
                 <a:latin typeface="Courier New" panose="02070309020205020404" pitchFamily="49" charset="0"/>
                 <a:cs typeface="Times New Roman" panose="02020603050405020304" pitchFamily="18" charset="0"/>
               </a:rPr>
-              <a:t>less, greater </a:t>
-            </a:r>
-            <a:r>
-              <a:rPr lang="en-US" sz="2200" b="1">
-                <a:latin typeface="Courier New" panose="02070309020205020404" pitchFamily="49" charset="0"/>
-                <a:cs typeface="Times New Roman" panose="02020603050405020304" pitchFamily="18" charset="0"/>
-              </a:rPr>
-              <a:t>as</a:t>
-            </a:r>
-            <a:r>
-              <a:rPr lang="en-US" sz="2200">
-                <a:latin typeface="Courier New" panose="02070309020205020404" pitchFamily="49" charset="0"/>
-                <a:cs typeface="Times New Roman" panose="02020603050405020304" pitchFamily="18" charset="0"/>
-              </a:rPr>
-              <a:t> List</a:t>
-            </a:r>
-            <a:endParaRPr lang="en-US" sz="2200">
+              <a:t> sort(array)</a:t>
+            </a:r>
+            <a:endParaRPr lang="en-US" sz="2200" dirty="0">
               <a:latin typeface="Times New Roman" panose="02020603050405020304" pitchFamily="18" charset="0"/>
               <a:cs typeface="Times New Roman" panose="02020603050405020304" pitchFamily="18" charset="0"/>
             </a:endParaRPr>
@@ -8237,20 +8214,34 @@
               </a:tabLst>
             </a:pPr>
             <a:r>
-              <a:rPr lang="en-US" sz="2200" b="1">
+              <a:rPr lang="en-US" sz="2200" b="1" dirty="0">
                 <a:latin typeface="Courier New" panose="02070309020205020404" pitchFamily="49" charset="0"/>
                 <a:cs typeface="Times New Roman" panose="02020603050405020304" pitchFamily="18" charset="0"/>
               </a:rPr>
-              <a:t>	if</a:t>
-            </a:r>
-            <a:r>
-              <a:rPr lang="en-US" sz="2200">
+              <a:t>  Dim </a:t>
+            </a:r>
+            <a:r>
+              <a:rPr lang="en-US" sz="2200" dirty="0">
                 <a:latin typeface="Courier New" panose="02070309020205020404" pitchFamily="49" charset="0"/>
                 <a:cs typeface="Times New Roman" panose="02020603050405020304" pitchFamily="18" charset="0"/>
               </a:rPr>
-              <a:t> array.Length ≤ 1</a:t>
-            </a:r>
-            <a:endParaRPr lang="en-US" sz="2200">
+              <a:t>less, greater </a:t>
+            </a:r>
+            <a:r>
+              <a:rPr lang="en-US" sz="2200" b="1" dirty="0">
+                <a:latin typeface="Courier New" panose="02070309020205020404" pitchFamily="49" charset="0"/>
+                <a:cs typeface="Times New Roman" panose="02020603050405020304" pitchFamily="18" charset="0"/>
+              </a:rPr>
+              <a:t>as</a:t>
+            </a:r>
+            <a:r>
+              <a:rPr lang="en-US" sz="2200" dirty="0">
+                <a:latin typeface="Courier New" panose="02070309020205020404" pitchFamily="49" charset="0"/>
+                <a:cs typeface="Times New Roman" panose="02020603050405020304" pitchFamily="18" charset="0"/>
+              </a:rPr>
+              <a:t> List</a:t>
+            </a:r>
+            <a:endParaRPr lang="en-US" sz="2200" dirty="0">
               <a:latin typeface="Times New Roman" panose="02020603050405020304" pitchFamily="18" charset="0"/>
               <a:cs typeface="Times New Roman" panose="02020603050405020304" pitchFamily="18" charset="0"/>
             </a:endParaRPr>
@@ -8282,19 +8273,37 @@
               </a:tabLst>
             </a:pPr>
             <a:r>
-              <a:rPr lang="en-US" sz="2200" b="1">
+              <a:rPr lang="en-US" sz="2200" b="1" dirty="0">
                 <a:latin typeface="Courier New" panose="02070309020205020404" pitchFamily="49" charset="0"/>
                 <a:cs typeface="Times New Roman" panose="02020603050405020304" pitchFamily="18" charset="0"/>
               </a:rPr>
-              <a:t>	  return</a:t>
-            </a:r>
-            <a:r>
-              <a:rPr lang="en-US" sz="2200">
+              <a:t>	if</a:t>
+            </a:r>
+            <a:r>
+              <a:rPr lang="en-US" sz="2200" dirty="0">
                 <a:latin typeface="Courier New" panose="02070309020205020404" pitchFamily="49" charset="0"/>
                 <a:cs typeface="Times New Roman" panose="02020603050405020304" pitchFamily="18" charset="0"/>
               </a:rPr>
-              <a:t> array </a:t>
-            </a:r>
+              <a:t> </a:t>
+            </a:r>
+            <a:r>
+              <a:rPr lang="en-US" sz="2200" dirty="0" err="1">
+                <a:latin typeface="Courier New" panose="02070309020205020404" pitchFamily="49" charset="0"/>
+                <a:cs typeface="Times New Roman" panose="02020603050405020304" pitchFamily="18" charset="0"/>
+              </a:rPr>
+              <a:t>array.Length</a:t>
+            </a:r>
+            <a:r>
+              <a:rPr lang="en-US" sz="2200" dirty="0">
+                <a:latin typeface="Courier New" panose="02070309020205020404" pitchFamily="49" charset="0"/>
+                <a:cs typeface="Times New Roman" panose="02020603050405020304" pitchFamily="18" charset="0"/>
+              </a:rPr>
+              <a:t> ≤ 1</a:t>
+            </a:r>
+            <a:endParaRPr lang="en-US" sz="2200" dirty="0">
+              <a:latin typeface="Times New Roman" panose="02020603050405020304" pitchFamily="18" charset="0"/>
+              <a:cs typeface="Times New Roman" panose="02020603050405020304" pitchFamily="18" charset="0"/>
+            </a:endParaRPr>
           </a:p>
           <a:p>
             <a:pPr marL="0" eaLnBrk="1" hangingPunct="1">
@@ -8323,16 +8332,19 @@
               </a:tabLst>
             </a:pPr>
             <a:r>
-              <a:rPr lang="en-US" sz="2200">
+              <a:rPr lang="en-US" sz="2200" b="1" dirty="0">
                 <a:latin typeface="Courier New" panose="02070309020205020404" pitchFamily="49" charset="0"/>
                 <a:cs typeface="Times New Roman" panose="02020603050405020304" pitchFamily="18" charset="0"/>
               </a:rPr>
-              <a:t>	select and remove a pivot value from array</a:t>
-            </a:r>
-            <a:endParaRPr lang="en-US" sz="2200">
-              <a:latin typeface="Times New Roman" panose="02020603050405020304" pitchFamily="18" charset="0"/>
-              <a:cs typeface="Times New Roman" panose="02020603050405020304" pitchFamily="18" charset="0"/>
-            </a:endParaRPr>
+              <a:t>	  return</a:t>
+            </a:r>
+            <a:r>
+              <a:rPr lang="en-US" sz="2200" dirty="0">
+                <a:latin typeface="Courier New" panose="02070309020205020404" pitchFamily="49" charset="0"/>
+                <a:cs typeface="Times New Roman" panose="02020603050405020304" pitchFamily="18" charset="0"/>
+              </a:rPr>
+              <a:t> array </a:t>
+            </a:r>
           </a:p>
           <a:p>
             <a:pPr marL="0" eaLnBrk="1" hangingPunct="1">
@@ -8361,34 +8373,13 @@
               </a:tabLst>
             </a:pPr>
             <a:r>
-              <a:rPr lang="en-US" sz="2200" b="1">
+              <a:rPr lang="en-US" sz="2200" dirty="0">
                 <a:latin typeface="Courier New" panose="02070309020205020404" pitchFamily="49" charset="0"/>
                 <a:cs typeface="Times New Roman" panose="02020603050405020304" pitchFamily="18" charset="0"/>
               </a:rPr>
-              <a:t>	for each</a:t>
-            </a:r>
-            <a:r>
-              <a:rPr lang="en-US" sz="2200">
-                <a:latin typeface="Courier New" panose="02070309020205020404" pitchFamily="49" charset="0"/>
-                <a:cs typeface="Times New Roman" panose="02020603050405020304" pitchFamily="18" charset="0"/>
-              </a:rPr>
-              <a:t> x </a:t>
-            </a:r>
-            <a:r>
-              <a:rPr lang="en-US" sz="2200" b="1">
-                <a:latin typeface="Courier New" panose="02070309020205020404" pitchFamily="49" charset="0"/>
-                <a:cs typeface="Times New Roman" panose="02020603050405020304" pitchFamily="18" charset="0"/>
-              </a:rPr>
-              <a:t>in</a:t>
-            </a:r>
-            <a:r>
-              <a:rPr lang="en-US" sz="2200">
-                <a:latin typeface="Courier New" panose="02070309020205020404" pitchFamily="49" charset="0"/>
-                <a:cs typeface="Times New Roman" panose="02020603050405020304" pitchFamily="18" charset="0"/>
-              </a:rPr>
-              <a:t> array</a:t>
-            </a:r>
-            <a:endParaRPr lang="en-US" sz="2200">
+              <a:t>	select and remove a pivot value from array</a:t>
+            </a:r>
+            <a:endParaRPr lang="en-US" sz="2200" dirty="0">
               <a:latin typeface="Times New Roman" panose="02020603050405020304" pitchFamily="18" charset="0"/>
               <a:cs typeface="Times New Roman" panose="02020603050405020304" pitchFamily="18" charset="0"/>
             </a:endParaRPr>
@@ -8420,34 +8411,34 @@
               </a:tabLst>
             </a:pPr>
             <a:r>
-              <a:rPr lang="en-US" sz="2200" b="1">
+              <a:rPr lang="en-US" sz="2200" b="1" dirty="0">
                 <a:latin typeface="Courier New" panose="02070309020205020404" pitchFamily="49" charset="0"/>
                 <a:cs typeface="Times New Roman" panose="02020603050405020304" pitchFamily="18" charset="0"/>
               </a:rPr>
-              <a:t>	  if</a:t>
-            </a:r>
-            <a:r>
-              <a:rPr lang="en-US" sz="2200">
+              <a:t>	for each</a:t>
+            </a:r>
+            <a:r>
+              <a:rPr lang="en-US" sz="2200" dirty="0">
                 <a:latin typeface="Courier New" panose="02070309020205020404" pitchFamily="49" charset="0"/>
                 <a:cs typeface="Times New Roman" panose="02020603050405020304" pitchFamily="18" charset="0"/>
               </a:rPr>
-              <a:t> x ≤ pivot </a:t>
-            </a:r>
-            <a:r>
-              <a:rPr lang="en-US" sz="2200" b="1">
+              <a:t> x </a:t>
+            </a:r>
+            <a:r>
+              <a:rPr lang="en-US" sz="2200" b="1" dirty="0">
                 <a:latin typeface="Courier New" panose="02070309020205020404" pitchFamily="49" charset="0"/>
                 <a:cs typeface="Times New Roman" panose="02020603050405020304" pitchFamily="18" charset="0"/>
               </a:rPr>
-              <a:t>then</a:t>
-            </a:r>
-            <a:r>
-              <a:rPr lang="en-US" sz="2200">
+              <a:t>in</a:t>
+            </a:r>
+            <a:r>
+              <a:rPr lang="en-US" sz="2200" dirty="0">
                 <a:latin typeface="Courier New" panose="02070309020205020404" pitchFamily="49" charset="0"/>
                 <a:cs typeface="Times New Roman" panose="02020603050405020304" pitchFamily="18" charset="0"/>
               </a:rPr>
-              <a:t> append x to less</a:t>
-            </a:r>
-            <a:endParaRPr lang="en-US" sz="2200">
+              <a:t> array</a:t>
+            </a:r>
+            <a:endParaRPr lang="en-US" sz="2200" dirty="0">
               <a:latin typeface="Times New Roman" panose="02020603050405020304" pitchFamily="18" charset="0"/>
               <a:cs typeface="Times New Roman" panose="02020603050405020304" pitchFamily="18" charset="0"/>
             </a:endParaRPr>
@@ -8479,20 +8470,34 @@
               </a:tabLst>
             </a:pPr>
             <a:r>
-              <a:rPr lang="en-US" sz="2200" b="1">
+              <a:rPr lang="en-US" sz="2200" b="1" dirty="0">
                 <a:latin typeface="Courier New" panose="02070309020205020404" pitchFamily="49" charset="0"/>
                 <a:cs typeface="Times New Roman" panose="02020603050405020304" pitchFamily="18" charset="0"/>
               </a:rPr>
-              <a:t>	  else</a:t>
-            </a:r>
-            <a:r>
-              <a:rPr lang="en-US" sz="2200">
+              <a:t>	  if</a:t>
+            </a:r>
+            <a:r>
+              <a:rPr lang="en-US" sz="2200" dirty="0">
                 <a:latin typeface="Courier New" panose="02070309020205020404" pitchFamily="49" charset="0"/>
                 <a:cs typeface="Times New Roman" panose="02020603050405020304" pitchFamily="18" charset="0"/>
               </a:rPr>
-              <a:t> append x to greater</a:t>
-            </a:r>
-            <a:endParaRPr lang="en-US" sz="2200">
+              <a:t> x ≤ pivot </a:t>
+            </a:r>
+            <a:r>
+              <a:rPr lang="en-US" sz="2200" b="1" dirty="0">
+                <a:latin typeface="Courier New" panose="02070309020205020404" pitchFamily="49" charset="0"/>
+                <a:cs typeface="Times New Roman" panose="02020603050405020304" pitchFamily="18" charset="0"/>
+              </a:rPr>
+              <a:t>then</a:t>
+            </a:r>
+            <a:r>
+              <a:rPr lang="en-US" sz="2200" dirty="0">
+                <a:latin typeface="Courier New" panose="02070309020205020404" pitchFamily="49" charset="0"/>
+                <a:cs typeface="Times New Roman" panose="02020603050405020304" pitchFamily="18" charset="0"/>
+              </a:rPr>
+              <a:t> append x to less</a:t>
+            </a:r>
+            <a:endParaRPr lang="en-US" sz="2200" dirty="0">
               <a:latin typeface="Times New Roman" panose="02020603050405020304" pitchFamily="18" charset="0"/>
               <a:cs typeface="Times New Roman" panose="02020603050405020304" pitchFamily="18" charset="0"/>
             </a:endParaRPr>
@@ -8524,29 +8529,26 @@
               </a:tabLst>
             </a:pPr>
             <a:r>
-              <a:rPr lang="en-US" sz="2200" b="1">
+              <a:rPr lang="en-US" sz="2200" b="1" dirty="0">
                 <a:latin typeface="Courier New" panose="02070309020205020404" pitchFamily="49" charset="0"/>
                 <a:cs typeface="Times New Roman" panose="02020603050405020304" pitchFamily="18" charset="0"/>
               </a:rPr>
-              <a:t>return</a:t>
-            </a:r>
-            <a:r>
-              <a:rPr lang="en-US" sz="2200">
+              <a:t>	  else</a:t>
+            </a:r>
+            <a:r>
+              <a:rPr lang="en-US" sz="2200" dirty="0">
                 <a:latin typeface="Courier New" panose="02070309020205020404" pitchFamily="49" charset="0"/>
                 <a:cs typeface="Times New Roman" panose="02020603050405020304" pitchFamily="18" charset="0"/>
               </a:rPr>
-              <a:t> concat(sort(less), pivot, sort(greater))</a:t>
-            </a:r>
-            <a:endParaRPr lang="en-US" sz="2200">
+              <a:t> append x to greater</a:t>
+            </a:r>
+            <a:endParaRPr lang="en-US" sz="2200" dirty="0">
               <a:latin typeface="Times New Roman" panose="02020603050405020304" pitchFamily="18" charset="0"/>
               <a:cs typeface="Times New Roman" panose="02020603050405020304" pitchFamily="18" charset="0"/>
             </a:endParaRPr>
           </a:p>
           <a:p>
-            <a:pPr marL="0" algn="just" eaLnBrk="1" hangingPunct="1">
-              <a:lnSpc>
-                <a:spcPct val="150000"/>
-              </a:lnSpc>
+            <a:pPr marL="0" eaLnBrk="1" hangingPunct="1">
               <a:spcBef>
                 <a:spcPct val="0"/>
               </a:spcBef>
@@ -8572,12 +8574,83 @@
               </a:tabLst>
             </a:pPr>
             <a:r>
-              <a:rPr lang="en-US" sz="2800">
+              <a:rPr lang="en-US" sz="2200" b="1" dirty="0">
+                <a:latin typeface="Courier New" panose="02070309020205020404" pitchFamily="49" charset="0"/>
+                <a:cs typeface="Times New Roman" panose="02020603050405020304" pitchFamily="18" charset="0"/>
+              </a:rPr>
+              <a:t>return</a:t>
+            </a:r>
+            <a:r>
+              <a:rPr lang="en-US" sz="2200" dirty="0">
+                <a:latin typeface="Courier New" panose="02070309020205020404" pitchFamily="49" charset="0"/>
+                <a:cs typeface="Times New Roman" panose="02020603050405020304" pitchFamily="18" charset="0"/>
+              </a:rPr>
+              <a:t> </a:t>
+            </a:r>
+            <a:r>
+              <a:rPr lang="en-US" sz="2200" dirty="0" err="1">
+                <a:latin typeface="Courier New" panose="02070309020205020404" pitchFamily="49" charset="0"/>
+                <a:cs typeface="Times New Roman" panose="02020603050405020304" pitchFamily="18" charset="0"/>
+              </a:rPr>
+              <a:t>concat</a:t>
+            </a:r>
+            <a:r>
+              <a:rPr lang="en-US" sz="2200" dirty="0">
+                <a:latin typeface="Courier New" panose="02070309020205020404" pitchFamily="49" charset="0"/>
+                <a:cs typeface="Times New Roman" panose="02020603050405020304" pitchFamily="18" charset="0"/>
+              </a:rPr>
+              <a:t>(sort(less), pivot, sort(greater))</a:t>
+            </a:r>
+            <a:endParaRPr lang="en-US" sz="2200" dirty="0">
+              <a:latin typeface="Times New Roman" panose="02020603050405020304" pitchFamily="18" charset="0"/>
+              <a:cs typeface="Times New Roman" panose="02020603050405020304" pitchFamily="18" charset="0"/>
+            </a:endParaRPr>
+          </a:p>
+          <a:p>
+            <a:pPr marL="114300" indent="-457200" algn="just" eaLnBrk="1" hangingPunct="1">
+              <a:lnSpc>
+                <a:spcPct val="150000"/>
+              </a:lnSpc>
+              <a:spcBef>
+                <a:spcPct val="0"/>
+              </a:spcBef>
+              <a:tabLst>
+                <a:tab pos="581025" algn="l"/>
+                <a:tab pos="1162050" algn="l"/>
+                <a:tab pos="1744663" algn="l"/>
+                <a:tab pos="2325688" algn="l"/>
+                <a:tab pos="2908300" algn="l"/>
+                <a:tab pos="3489325" algn="l"/>
+                <a:tab pos="4070350" algn="l"/>
+                <a:tab pos="4652963" algn="l"/>
+                <a:tab pos="5233988" algn="l"/>
+                <a:tab pos="5816600" algn="l"/>
+                <a:tab pos="6397625" algn="l"/>
+                <a:tab pos="6978650" algn="l"/>
+                <a:tab pos="7561263" algn="l"/>
+                <a:tab pos="8142288" algn="l"/>
+                <a:tab pos="8724900" algn="l"/>
+                <a:tab pos="9305925" algn="l"/>
+              </a:tabLst>
+            </a:pPr>
+            <a:r>
+              <a:rPr lang="en-US" sz="2800" dirty="0">
                 <a:latin typeface="Times New Roman" panose="02020603050405020304" pitchFamily="18" charset="0"/>
                 <a:cs typeface="Times New Roman" panose="02020603050405020304" pitchFamily="18" charset="0"/>
               </a:rPr>
               <a:t> </a:t>
             </a:r>
+            <a:r>
+              <a:rPr lang="en-US" dirty="0"/>
+              <a:t>C# implementation can be found </a:t>
+            </a:r>
+            <a:r>
+              <a:rPr lang="en-US" dirty="0">
+                <a:hlinkClick r:id="rId2"/>
+              </a:rPr>
+              <a:t>here</a:t>
+            </a:r>
+            <a:endParaRPr lang="en-US" dirty="0"/>
           </a:p>
           <a:p>
             <a:pPr marL="0" eaLnBrk="1" hangingPunct="1">
@@ -8600,7 +8673,7 @@
                 <a:tab pos="9305925" algn="l"/>
               </a:tabLst>
             </a:pPr>
-            <a:endParaRPr lang="en-US"/>
+            <a:endParaRPr lang="en-US" dirty="0"/>
           </a:p>
         </p:txBody>
       </p:sp>
@@ -8683,7 +8756,7 @@
           <a:p>
             <a:pPr eaLnBrk="1" hangingPunct="1"/>
             <a:r>
-              <a:rPr lang="en-US"/>
+              <a:rPr lang="en-US" dirty="0"/>
               <a:t>https://visualgo.net/bn/sorting</a:t>
             </a:r>
           </a:p>
